--- a/pics/2020-01-17-Gaussian_Integral/pics.pptx
+++ b/pics/2020-01-17-Gaussian_Integral/pics.pptx
@@ -6,7 +6,9 @@
   </p:sldMasterIdLst>
   <p:sldIdLst>
     <p:sldId id="256" r:id="rId2"/>
-    <p:sldId id="257" r:id="rId3"/>
+    <p:sldId id="258" r:id="rId3"/>
+    <p:sldId id="257" r:id="rId4"/>
+    <p:sldId id="259" r:id="rId5"/>
   </p:sldIdLst>
   <p:sldSz cx="9144000" cy="6858000" type="screen4x3"/>
   <p:notesSz cx="6858000" cy="9144000"/>
@@ -105,6 +107,22 @@
       </a:defRPr>
     </a:lvl9pPr>
   </p:defaultTextStyle>
+  <p:extLst>
+    <p:ext uri="{EFAFB233-063F-42B5-8137-9DF3F51BA10A}">
+      <p15:sldGuideLst xmlns:p15="http://schemas.microsoft.com/office/powerpoint/2012/main">
+        <p15:guide id="1" orient="horz" pos="2160">
+          <p15:clr>
+            <a:srgbClr val="A4A3A4"/>
+          </p15:clr>
+        </p15:guide>
+        <p15:guide id="2" pos="2880">
+          <p15:clr>
+            <a:srgbClr val="A4A3A4"/>
+          </p15:clr>
+        </p15:guide>
+      </p15:sldGuideLst>
+    </p:ext>
+  </p:extLst>
 </p:presentation>
 </file>
 
@@ -146,10 +164,9 @@
           <a:lstStyle/>
           <a:p>
             <a:r>
-              <a:rPr lang="ko-KR" altLang="en-US" smtClean="0"/>
+              <a:rPr lang="ko-KR" altLang="en-US"/>
               <a:t>마스터 제목 스타일 편집</a:t>
             </a:r>
-            <a:endParaRPr lang="ko-KR" altLang="en-US"/>
           </a:p>
         </p:txBody>
       </p:sp>
@@ -265,10 +282,9 @@
           </a:lstStyle>
           <a:p>
             <a:r>
-              <a:rPr lang="ko-KR" altLang="en-US" smtClean="0"/>
+              <a:rPr lang="ko-KR" altLang="en-US"/>
               <a:t>마스터 부제목 스타일 편집</a:t>
             </a:r>
-            <a:endParaRPr lang="ko-KR" altLang="en-US"/>
           </a:p>
         </p:txBody>
       </p:sp>
@@ -289,7 +305,7 @@
           <a:p>
             <a:fld id="{079E2458-42AB-4C76-85C5-0D9150504A45}" type="datetimeFigureOut">
               <a:rPr lang="ko-KR" altLang="en-US" smtClean="0"/>
-              <a:t>2020-01-17</a:t>
+              <a:t>2023-04-24</a:t>
             </a:fld>
             <a:endParaRPr lang="ko-KR" altLang="en-US"/>
           </a:p>
@@ -383,10 +399,9 @@
           <a:lstStyle/>
           <a:p>
             <a:r>
-              <a:rPr lang="ko-KR" altLang="en-US" smtClean="0"/>
+              <a:rPr lang="ko-KR" altLang="en-US"/>
               <a:t>마스터 제목 스타일 편집</a:t>
             </a:r>
-            <a:endParaRPr lang="ko-KR" altLang="en-US"/>
           </a:p>
         </p:txBody>
       </p:sp>
@@ -407,38 +422,37 @@
           <a:p>
             <a:pPr lvl="0"/>
             <a:r>
-              <a:rPr lang="ko-KR" altLang="en-US" smtClean="0"/>
+              <a:rPr lang="ko-KR" altLang="en-US"/>
               <a:t>마스터 텍스트 스타일을 편집합니다</a:t>
             </a:r>
           </a:p>
           <a:p>
             <a:pPr lvl="1"/>
             <a:r>
-              <a:rPr lang="ko-KR" altLang="en-US" smtClean="0"/>
+              <a:rPr lang="ko-KR" altLang="en-US"/>
               <a:t>둘째 수준</a:t>
             </a:r>
           </a:p>
           <a:p>
             <a:pPr lvl="2"/>
             <a:r>
-              <a:rPr lang="ko-KR" altLang="en-US" smtClean="0"/>
+              <a:rPr lang="ko-KR" altLang="en-US"/>
               <a:t>셋째 수준</a:t>
             </a:r>
           </a:p>
           <a:p>
             <a:pPr lvl="3"/>
             <a:r>
-              <a:rPr lang="ko-KR" altLang="en-US" smtClean="0"/>
+              <a:rPr lang="ko-KR" altLang="en-US"/>
               <a:t>넷째 수준</a:t>
             </a:r>
           </a:p>
           <a:p>
             <a:pPr lvl="4"/>
             <a:r>
-              <a:rPr lang="ko-KR" altLang="en-US" smtClean="0"/>
+              <a:rPr lang="ko-KR" altLang="en-US"/>
               <a:t>다섯째 수준</a:t>
             </a:r>
-            <a:endParaRPr lang="ko-KR" altLang="en-US"/>
           </a:p>
         </p:txBody>
       </p:sp>
@@ -459,7 +473,7 @@
           <a:p>
             <a:fld id="{079E2458-42AB-4C76-85C5-0D9150504A45}" type="datetimeFigureOut">
               <a:rPr lang="ko-KR" altLang="en-US" smtClean="0"/>
-              <a:t>2020-01-17</a:t>
+              <a:t>2023-04-24</a:t>
             </a:fld>
             <a:endParaRPr lang="ko-KR" altLang="en-US"/>
           </a:p>
@@ -558,10 +572,9 @@
           <a:lstStyle/>
           <a:p>
             <a:r>
-              <a:rPr lang="ko-KR" altLang="en-US" smtClean="0"/>
+              <a:rPr lang="ko-KR" altLang="en-US"/>
               <a:t>마스터 제목 스타일 편집</a:t>
             </a:r>
-            <a:endParaRPr lang="ko-KR" altLang="en-US"/>
           </a:p>
         </p:txBody>
       </p:sp>
@@ -587,38 +600,37 @@
           <a:p>
             <a:pPr lvl="0"/>
             <a:r>
-              <a:rPr lang="ko-KR" altLang="en-US" smtClean="0"/>
+              <a:rPr lang="ko-KR" altLang="en-US"/>
               <a:t>마스터 텍스트 스타일을 편집합니다</a:t>
             </a:r>
           </a:p>
           <a:p>
             <a:pPr lvl="1"/>
             <a:r>
-              <a:rPr lang="ko-KR" altLang="en-US" smtClean="0"/>
+              <a:rPr lang="ko-KR" altLang="en-US"/>
               <a:t>둘째 수준</a:t>
             </a:r>
           </a:p>
           <a:p>
             <a:pPr lvl="2"/>
             <a:r>
-              <a:rPr lang="ko-KR" altLang="en-US" smtClean="0"/>
+              <a:rPr lang="ko-KR" altLang="en-US"/>
               <a:t>셋째 수준</a:t>
             </a:r>
           </a:p>
           <a:p>
             <a:pPr lvl="3"/>
             <a:r>
-              <a:rPr lang="ko-KR" altLang="en-US" smtClean="0"/>
+              <a:rPr lang="ko-KR" altLang="en-US"/>
               <a:t>넷째 수준</a:t>
             </a:r>
           </a:p>
           <a:p>
             <a:pPr lvl="4"/>
             <a:r>
-              <a:rPr lang="ko-KR" altLang="en-US" smtClean="0"/>
+              <a:rPr lang="ko-KR" altLang="en-US"/>
               <a:t>다섯째 수준</a:t>
             </a:r>
-            <a:endParaRPr lang="ko-KR" altLang="en-US"/>
           </a:p>
         </p:txBody>
       </p:sp>
@@ -639,7 +651,7 @@
           <a:p>
             <a:fld id="{079E2458-42AB-4C76-85C5-0D9150504A45}" type="datetimeFigureOut">
               <a:rPr lang="ko-KR" altLang="en-US" smtClean="0"/>
-              <a:t>2020-01-17</a:t>
+              <a:t>2023-04-24</a:t>
             </a:fld>
             <a:endParaRPr lang="ko-KR" altLang="en-US"/>
           </a:p>
@@ -733,10 +745,9 @@
           <a:lstStyle/>
           <a:p>
             <a:r>
-              <a:rPr lang="ko-KR" altLang="en-US" smtClean="0"/>
+              <a:rPr lang="ko-KR" altLang="en-US"/>
               <a:t>마스터 제목 스타일 편집</a:t>
             </a:r>
-            <a:endParaRPr lang="ko-KR" altLang="en-US"/>
           </a:p>
         </p:txBody>
       </p:sp>
@@ -757,38 +768,37 @@
           <a:p>
             <a:pPr lvl="0"/>
             <a:r>
-              <a:rPr lang="ko-KR" altLang="en-US" smtClean="0"/>
+              <a:rPr lang="ko-KR" altLang="en-US"/>
               <a:t>마스터 텍스트 스타일을 편집합니다</a:t>
             </a:r>
           </a:p>
           <a:p>
             <a:pPr lvl="1"/>
             <a:r>
-              <a:rPr lang="ko-KR" altLang="en-US" smtClean="0"/>
+              <a:rPr lang="ko-KR" altLang="en-US"/>
               <a:t>둘째 수준</a:t>
             </a:r>
           </a:p>
           <a:p>
             <a:pPr lvl="2"/>
             <a:r>
-              <a:rPr lang="ko-KR" altLang="en-US" smtClean="0"/>
+              <a:rPr lang="ko-KR" altLang="en-US"/>
               <a:t>셋째 수준</a:t>
             </a:r>
           </a:p>
           <a:p>
             <a:pPr lvl="3"/>
             <a:r>
-              <a:rPr lang="ko-KR" altLang="en-US" smtClean="0"/>
+              <a:rPr lang="ko-KR" altLang="en-US"/>
               <a:t>넷째 수준</a:t>
             </a:r>
           </a:p>
           <a:p>
             <a:pPr lvl="4"/>
             <a:r>
-              <a:rPr lang="ko-KR" altLang="en-US" smtClean="0"/>
+              <a:rPr lang="ko-KR" altLang="en-US"/>
               <a:t>다섯째 수준</a:t>
             </a:r>
-            <a:endParaRPr lang="ko-KR" altLang="en-US"/>
           </a:p>
         </p:txBody>
       </p:sp>
@@ -809,7 +819,7 @@
           <a:p>
             <a:fld id="{079E2458-42AB-4C76-85C5-0D9150504A45}" type="datetimeFigureOut">
               <a:rPr lang="ko-KR" altLang="en-US" smtClean="0"/>
-              <a:t>2020-01-17</a:t>
+              <a:t>2023-04-24</a:t>
             </a:fld>
             <a:endParaRPr lang="ko-KR" altLang="en-US"/>
           </a:p>
@@ -912,10 +922,9 @@
           </a:lstStyle>
           <a:p>
             <a:r>
-              <a:rPr lang="ko-KR" altLang="en-US" smtClean="0"/>
+              <a:rPr lang="ko-KR" altLang="en-US"/>
               <a:t>마스터 제목 스타일 편집</a:t>
             </a:r>
-            <a:endParaRPr lang="ko-KR" altLang="en-US"/>
           </a:p>
         </p:txBody>
       </p:sp>
@@ -1032,7 +1041,7 @@
           <a:p>
             <a:pPr lvl="0"/>
             <a:r>
-              <a:rPr lang="ko-KR" altLang="en-US" smtClean="0"/>
+              <a:rPr lang="ko-KR" altLang="en-US"/>
               <a:t>마스터 텍스트 스타일을 편집합니다</a:t>
             </a:r>
           </a:p>
@@ -1055,7 +1064,7 @@
           <a:p>
             <a:fld id="{079E2458-42AB-4C76-85C5-0D9150504A45}" type="datetimeFigureOut">
               <a:rPr lang="ko-KR" altLang="en-US" smtClean="0"/>
-              <a:t>2020-01-17</a:t>
+              <a:t>2023-04-24</a:t>
             </a:fld>
             <a:endParaRPr lang="ko-KR" altLang="en-US"/>
           </a:p>
@@ -1149,10 +1158,9 @@
           <a:lstStyle/>
           <a:p>
             <a:r>
-              <a:rPr lang="ko-KR" altLang="en-US" smtClean="0"/>
+              <a:rPr lang="ko-KR" altLang="en-US"/>
               <a:t>마스터 제목 스타일 편집</a:t>
             </a:r>
-            <a:endParaRPr lang="ko-KR" altLang="en-US"/>
           </a:p>
         </p:txBody>
       </p:sp>
@@ -1206,38 +1214,37 @@
           <a:p>
             <a:pPr lvl="0"/>
             <a:r>
-              <a:rPr lang="ko-KR" altLang="en-US" smtClean="0"/>
+              <a:rPr lang="ko-KR" altLang="en-US"/>
               <a:t>마스터 텍스트 스타일을 편집합니다</a:t>
             </a:r>
           </a:p>
           <a:p>
             <a:pPr lvl="1"/>
             <a:r>
-              <a:rPr lang="ko-KR" altLang="en-US" smtClean="0"/>
+              <a:rPr lang="ko-KR" altLang="en-US"/>
               <a:t>둘째 수준</a:t>
             </a:r>
           </a:p>
           <a:p>
             <a:pPr lvl="2"/>
             <a:r>
-              <a:rPr lang="ko-KR" altLang="en-US" smtClean="0"/>
+              <a:rPr lang="ko-KR" altLang="en-US"/>
               <a:t>셋째 수준</a:t>
             </a:r>
           </a:p>
           <a:p>
             <a:pPr lvl="3"/>
             <a:r>
-              <a:rPr lang="ko-KR" altLang="en-US" smtClean="0"/>
+              <a:rPr lang="ko-KR" altLang="en-US"/>
               <a:t>넷째 수준</a:t>
             </a:r>
           </a:p>
           <a:p>
             <a:pPr lvl="4"/>
             <a:r>
-              <a:rPr lang="ko-KR" altLang="en-US" smtClean="0"/>
+              <a:rPr lang="ko-KR" altLang="en-US"/>
               <a:t>다섯째 수준</a:t>
             </a:r>
-            <a:endParaRPr lang="ko-KR" altLang="en-US"/>
           </a:p>
         </p:txBody>
       </p:sp>
@@ -1291,38 +1298,37 @@
           <a:p>
             <a:pPr lvl="0"/>
             <a:r>
-              <a:rPr lang="ko-KR" altLang="en-US" smtClean="0"/>
+              <a:rPr lang="ko-KR" altLang="en-US"/>
               <a:t>마스터 텍스트 스타일을 편집합니다</a:t>
             </a:r>
           </a:p>
           <a:p>
             <a:pPr lvl="1"/>
             <a:r>
-              <a:rPr lang="ko-KR" altLang="en-US" smtClean="0"/>
+              <a:rPr lang="ko-KR" altLang="en-US"/>
               <a:t>둘째 수준</a:t>
             </a:r>
           </a:p>
           <a:p>
             <a:pPr lvl="2"/>
             <a:r>
-              <a:rPr lang="ko-KR" altLang="en-US" smtClean="0"/>
+              <a:rPr lang="ko-KR" altLang="en-US"/>
               <a:t>셋째 수준</a:t>
             </a:r>
           </a:p>
           <a:p>
             <a:pPr lvl="3"/>
             <a:r>
-              <a:rPr lang="ko-KR" altLang="en-US" smtClean="0"/>
+              <a:rPr lang="ko-KR" altLang="en-US"/>
               <a:t>넷째 수준</a:t>
             </a:r>
           </a:p>
           <a:p>
             <a:pPr lvl="4"/>
             <a:r>
-              <a:rPr lang="ko-KR" altLang="en-US" smtClean="0"/>
+              <a:rPr lang="ko-KR" altLang="en-US"/>
               <a:t>다섯째 수준</a:t>
             </a:r>
-            <a:endParaRPr lang="ko-KR" altLang="en-US"/>
           </a:p>
         </p:txBody>
       </p:sp>
@@ -1343,7 +1349,7 @@
           <a:p>
             <a:fld id="{079E2458-42AB-4C76-85C5-0D9150504A45}" type="datetimeFigureOut">
               <a:rPr lang="ko-KR" altLang="en-US" smtClean="0"/>
-              <a:t>2020-01-17</a:t>
+              <a:t>2023-04-24</a:t>
             </a:fld>
             <a:endParaRPr lang="ko-KR" altLang="en-US"/>
           </a:p>
@@ -1441,10 +1447,9 @@
           </a:lstStyle>
           <a:p>
             <a:r>
-              <a:rPr lang="ko-KR" altLang="en-US" smtClean="0"/>
+              <a:rPr lang="ko-KR" altLang="en-US"/>
               <a:t>마스터 제목 스타일 편집</a:t>
             </a:r>
-            <a:endParaRPr lang="ko-KR" altLang="en-US"/>
           </a:p>
         </p:txBody>
       </p:sp>
@@ -1507,7 +1512,7 @@
           <a:p>
             <a:pPr lvl="0"/>
             <a:r>
-              <a:rPr lang="ko-KR" altLang="en-US" smtClean="0"/>
+              <a:rPr lang="ko-KR" altLang="en-US"/>
               <a:t>마스터 텍스트 스타일을 편집합니다</a:t>
             </a:r>
           </a:p>
@@ -1563,38 +1568,37 @@
           <a:p>
             <a:pPr lvl="0"/>
             <a:r>
-              <a:rPr lang="ko-KR" altLang="en-US" smtClean="0"/>
+              <a:rPr lang="ko-KR" altLang="en-US"/>
               <a:t>마스터 텍스트 스타일을 편집합니다</a:t>
             </a:r>
           </a:p>
           <a:p>
             <a:pPr lvl="1"/>
             <a:r>
-              <a:rPr lang="ko-KR" altLang="en-US" smtClean="0"/>
+              <a:rPr lang="ko-KR" altLang="en-US"/>
               <a:t>둘째 수준</a:t>
             </a:r>
           </a:p>
           <a:p>
             <a:pPr lvl="2"/>
             <a:r>
-              <a:rPr lang="ko-KR" altLang="en-US" smtClean="0"/>
+              <a:rPr lang="ko-KR" altLang="en-US"/>
               <a:t>셋째 수준</a:t>
             </a:r>
           </a:p>
           <a:p>
             <a:pPr lvl="3"/>
             <a:r>
-              <a:rPr lang="ko-KR" altLang="en-US" smtClean="0"/>
+              <a:rPr lang="ko-KR" altLang="en-US"/>
               <a:t>넷째 수준</a:t>
             </a:r>
           </a:p>
           <a:p>
             <a:pPr lvl="4"/>
             <a:r>
-              <a:rPr lang="ko-KR" altLang="en-US" smtClean="0"/>
+              <a:rPr lang="ko-KR" altLang="en-US"/>
               <a:t>다섯째 수준</a:t>
             </a:r>
-            <a:endParaRPr lang="ko-KR" altLang="en-US"/>
           </a:p>
         </p:txBody>
       </p:sp>
@@ -1657,7 +1661,7 @@
           <a:p>
             <a:pPr lvl="0"/>
             <a:r>
-              <a:rPr lang="ko-KR" altLang="en-US" smtClean="0"/>
+              <a:rPr lang="ko-KR" altLang="en-US"/>
               <a:t>마스터 텍스트 스타일을 편집합니다</a:t>
             </a:r>
           </a:p>
@@ -1713,38 +1717,37 @@
           <a:p>
             <a:pPr lvl="0"/>
             <a:r>
-              <a:rPr lang="ko-KR" altLang="en-US" smtClean="0"/>
+              <a:rPr lang="ko-KR" altLang="en-US"/>
               <a:t>마스터 텍스트 스타일을 편집합니다</a:t>
             </a:r>
           </a:p>
           <a:p>
             <a:pPr lvl="1"/>
             <a:r>
-              <a:rPr lang="ko-KR" altLang="en-US" smtClean="0"/>
+              <a:rPr lang="ko-KR" altLang="en-US"/>
               <a:t>둘째 수준</a:t>
             </a:r>
           </a:p>
           <a:p>
             <a:pPr lvl="2"/>
             <a:r>
-              <a:rPr lang="ko-KR" altLang="en-US" smtClean="0"/>
+              <a:rPr lang="ko-KR" altLang="en-US"/>
               <a:t>셋째 수준</a:t>
             </a:r>
           </a:p>
           <a:p>
             <a:pPr lvl="3"/>
             <a:r>
-              <a:rPr lang="ko-KR" altLang="en-US" smtClean="0"/>
+              <a:rPr lang="ko-KR" altLang="en-US"/>
               <a:t>넷째 수준</a:t>
             </a:r>
           </a:p>
           <a:p>
             <a:pPr lvl="4"/>
             <a:r>
-              <a:rPr lang="ko-KR" altLang="en-US" smtClean="0"/>
+              <a:rPr lang="ko-KR" altLang="en-US"/>
               <a:t>다섯째 수준</a:t>
             </a:r>
-            <a:endParaRPr lang="ko-KR" altLang="en-US"/>
           </a:p>
         </p:txBody>
       </p:sp>
@@ -1765,7 +1768,7 @@
           <a:p>
             <a:fld id="{079E2458-42AB-4C76-85C5-0D9150504A45}" type="datetimeFigureOut">
               <a:rPr lang="ko-KR" altLang="en-US" smtClean="0"/>
-              <a:t>2020-01-17</a:t>
+              <a:t>2023-04-24</a:t>
             </a:fld>
             <a:endParaRPr lang="ko-KR" altLang="en-US"/>
           </a:p>
@@ -1859,10 +1862,9 @@
           <a:lstStyle/>
           <a:p>
             <a:r>
-              <a:rPr lang="ko-KR" altLang="en-US" smtClean="0"/>
+              <a:rPr lang="ko-KR" altLang="en-US"/>
               <a:t>마스터 제목 스타일 편집</a:t>
             </a:r>
-            <a:endParaRPr lang="ko-KR" altLang="en-US"/>
           </a:p>
         </p:txBody>
       </p:sp>
@@ -1883,7 +1885,7 @@
           <a:p>
             <a:fld id="{079E2458-42AB-4C76-85C5-0D9150504A45}" type="datetimeFigureOut">
               <a:rPr lang="ko-KR" altLang="en-US" smtClean="0"/>
-              <a:t>2020-01-17</a:t>
+              <a:t>2023-04-24</a:t>
             </a:fld>
             <a:endParaRPr lang="ko-KR" altLang="en-US"/>
           </a:p>
@@ -1978,7 +1980,7 @@
           <a:p>
             <a:fld id="{079E2458-42AB-4C76-85C5-0D9150504A45}" type="datetimeFigureOut">
               <a:rPr lang="ko-KR" altLang="en-US" smtClean="0"/>
-              <a:t>2020-01-17</a:t>
+              <a:t>2023-04-24</a:t>
             </a:fld>
             <a:endParaRPr lang="ko-KR" altLang="en-US"/>
           </a:p>
@@ -2081,10 +2083,9 @@
           </a:lstStyle>
           <a:p>
             <a:r>
-              <a:rPr lang="ko-KR" altLang="en-US" smtClean="0"/>
+              <a:rPr lang="ko-KR" altLang="en-US"/>
               <a:t>마스터 제목 스타일 편집</a:t>
             </a:r>
-            <a:endParaRPr lang="ko-KR" altLang="en-US"/>
           </a:p>
         </p:txBody>
       </p:sp>
@@ -2138,38 +2139,37 @@
           <a:p>
             <a:pPr lvl="0"/>
             <a:r>
-              <a:rPr lang="ko-KR" altLang="en-US" smtClean="0"/>
+              <a:rPr lang="ko-KR" altLang="en-US"/>
               <a:t>마스터 텍스트 스타일을 편집합니다</a:t>
             </a:r>
           </a:p>
           <a:p>
             <a:pPr lvl="1"/>
             <a:r>
-              <a:rPr lang="ko-KR" altLang="en-US" smtClean="0"/>
+              <a:rPr lang="ko-KR" altLang="en-US"/>
               <a:t>둘째 수준</a:t>
             </a:r>
           </a:p>
           <a:p>
             <a:pPr lvl="2"/>
             <a:r>
-              <a:rPr lang="ko-KR" altLang="en-US" smtClean="0"/>
+              <a:rPr lang="ko-KR" altLang="en-US"/>
               <a:t>셋째 수준</a:t>
             </a:r>
           </a:p>
           <a:p>
             <a:pPr lvl="3"/>
             <a:r>
-              <a:rPr lang="ko-KR" altLang="en-US" smtClean="0"/>
+              <a:rPr lang="ko-KR" altLang="en-US"/>
               <a:t>넷째 수준</a:t>
             </a:r>
           </a:p>
           <a:p>
             <a:pPr lvl="4"/>
             <a:r>
-              <a:rPr lang="ko-KR" altLang="en-US" smtClean="0"/>
+              <a:rPr lang="ko-KR" altLang="en-US"/>
               <a:t>다섯째 수준</a:t>
             </a:r>
-            <a:endParaRPr lang="ko-KR" altLang="en-US"/>
           </a:p>
         </p:txBody>
       </p:sp>
@@ -2232,7 +2232,7 @@
           <a:p>
             <a:pPr lvl="0"/>
             <a:r>
-              <a:rPr lang="ko-KR" altLang="en-US" smtClean="0"/>
+              <a:rPr lang="ko-KR" altLang="en-US"/>
               <a:t>마스터 텍스트 스타일을 편집합니다</a:t>
             </a:r>
           </a:p>
@@ -2255,7 +2255,7 @@
           <a:p>
             <a:fld id="{079E2458-42AB-4C76-85C5-0D9150504A45}" type="datetimeFigureOut">
               <a:rPr lang="ko-KR" altLang="en-US" smtClean="0"/>
-              <a:t>2020-01-17</a:t>
+              <a:t>2023-04-24</a:t>
             </a:fld>
             <a:endParaRPr lang="ko-KR" altLang="en-US"/>
           </a:p>
@@ -2358,10 +2358,9 @@
           </a:lstStyle>
           <a:p>
             <a:r>
-              <a:rPr lang="ko-KR" altLang="en-US" smtClean="0"/>
+              <a:rPr lang="ko-KR" altLang="en-US"/>
               <a:t>마스터 제목 스타일 편집</a:t>
             </a:r>
-            <a:endParaRPr lang="ko-KR" altLang="en-US"/>
           </a:p>
         </p:txBody>
       </p:sp>
@@ -2485,7 +2484,7 @@
           <a:p>
             <a:pPr lvl="0"/>
             <a:r>
-              <a:rPr lang="ko-KR" altLang="en-US" smtClean="0"/>
+              <a:rPr lang="ko-KR" altLang="en-US"/>
               <a:t>마스터 텍스트 스타일을 편집합니다</a:t>
             </a:r>
           </a:p>
@@ -2508,7 +2507,7 @@
           <a:p>
             <a:fld id="{079E2458-42AB-4C76-85C5-0D9150504A45}" type="datetimeFigureOut">
               <a:rPr lang="ko-KR" altLang="en-US" smtClean="0"/>
-              <a:t>2020-01-17</a:t>
+              <a:t>2023-04-24</a:t>
             </a:fld>
             <a:endParaRPr lang="ko-KR" altLang="en-US"/>
           </a:p>
@@ -2617,10 +2616,9 @@
           <a:lstStyle/>
           <a:p>
             <a:r>
-              <a:rPr lang="ko-KR" altLang="en-US" smtClean="0"/>
+              <a:rPr lang="ko-KR" altLang="en-US"/>
               <a:t>마스터 제목 스타일 편집</a:t>
             </a:r>
-            <a:endParaRPr lang="ko-KR" altLang="en-US"/>
           </a:p>
         </p:txBody>
       </p:sp>
@@ -2651,38 +2649,37 @@
           <a:p>
             <a:pPr lvl="0"/>
             <a:r>
-              <a:rPr lang="ko-KR" altLang="en-US" smtClean="0"/>
+              <a:rPr lang="ko-KR" altLang="en-US"/>
               <a:t>마스터 텍스트 스타일을 편집합니다</a:t>
             </a:r>
           </a:p>
           <a:p>
             <a:pPr lvl="1"/>
             <a:r>
-              <a:rPr lang="ko-KR" altLang="en-US" smtClean="0"/>
+              <a:rPr lang="ko-KR" altLang="en-US"/>
               <a:t>둘째 수준</a:t>
             </a:r>
           </a:p>
           <a:p>
             <a:pPr lvl="2"/>
             <a:r>
-              <a:rPr lang="ko-KR" altLang="en-US" smtClean="0"/>
+              <a:rPr lang="ko-KR" altLang="en-US"/>
               <a:t>셋째 수준</a:t>
             </a:r>
           </a:p>
           <a:p>
             <a:pPr lvl="3"/>
             <a:r>
-              <a:rPr lang="ko-KR" altLang="en-US" smtClean="0"/>
+              <a:rPr lang="ko-KR" altLang="en-US"/>
               <a:t>넷째 수준</a:t>
             </a:r>
           </a:p>
           <a:p>
             <a:pPr lvl="4"/>
             <a:r>
-              <a:rPr lang="ko-KR" altLang="en-US" smtClean="0"/>
+              <a:rPr lang="ko-KR" altLang="en-US"/>
               <a:t>다섯째 수준</a:t>
             </a:r>
-            <a:endParaRPr lang="ko-KR" altLang="en-US"/>
           </a:p>
         </p:txBody>
       </p:sp>
@@ -2721,7 +2718,7 @@
           <a:p>
             <a:fld id="{079E2458-42AB-4C76-85C5-0D9150504A45}" type="datetimeFigureOut">
               <a:rPr lang="ko-KR" altLang="en-US" smtClean="0"/>
-              <a:t>2020-01-17</a:t>
+              <a:t>2023-04-24</a:t>
             </a:fld>
             <a:endParaRPr lang="ko-KR" altLang="en-US"/>
           </a:p>
@@ -3184,7 +3181,7 @@
           <a:p>
             <a:pPr algn="ctr"/>
             <a:r>
-              <a:rPr lang="ko-KR" altLang="en-US" sz="2800" b="1" dirty="0" err="1" smtClean="0"/>
+              <a:rPr lang="ko-KR" altLang="en-US" sz="2800" b="1" dirty="0" err="1"/>
               <a:t>직교좌표계</a:t>
             </a:r>
             <a:endParaRPr lang="ko-KR" altLang="en-US" sz="2800" b="1" dirty="0"/>
@@ -3215,7 +3212,7 @@
           <a:p>
             <a:pPr algn="ctr"/>
             <a:r>
-              <a:rPr lang="ko-KR" altLang="en-US" sz="2800" b="1" smtClean="0"/>
+              <a:rPr lang="ko-KR" altLang="en-US" sz="2800" b="1"/>
               <a:t>극좌표계</a:t>
             </a:r>
             <a:endParaRPr lang="ko-KR" altLang="en-US" sz="2800" b="1" dirty="0"/>
@@ -4202,17 +4199,1136 @@
   <p:clrMapOvr>
     <a:masterClrMapping/>
   </p:clrMapOvr>
-  <p:timing>
-    <p:tnLst>
-      <p:par>
-        <p:cTn id="1" dur="indefinite" restart="never" nodeType="tmRoot"/>
-      </p:par>
-    </p:tnLst>
-  </p:timing>
 </p:sld>
 </file>
 
 <file path=ppt/slides/slide2.xml><?xml version="1.0" encoding="utf-8"?>
+<p:sld xmlns:a="http://schemas.openxmlformats.org/drawingml/2006/main" xmlns:r="http://schemas.openxmlformats.org/officeDocument/2006/relationships" xmlns:p="http://schemas.openxmlformats.org/presentationml/2006/main">
+  <p:cSld>
+    <p:spTree>
+      <p:nvGrpSpPr>
+        <p:cNvPr id="1" name=""/>
+        <p:cNvGrpSpPr/>
+        <p:nvPr/>
+      </p:nvGrpSpPr>
+      <p:grpSpPr>
+        <a:xfrm>
+          <a:off x="0" y="0"/>
+          <a:ext cx="0" cy="0"/>
+          <a:chOff x="0" y="0"/>
+          <a:chExt cx="0" cy="0"/>
+        </a:xfrm>
+      </p:grpSpPr>
+      <p:pic>
+        <p:nvPicPr>
+          <p:cNvPr id="1031" name="Picture 7"/>
+          <p:cNvPicPr>
+            <a:picLocks noChangeAspect="1" noChangeArrowheads="1"/>
+          </p:cNvPicPr>
+          <p:nvPr/>
+        </p:nvPicPr>
+        <p:blipFill>
+          <a:blip r:embed="rId2">
+            <a:extLst>
+              <a:ext uri="{28A0092B-C50C-407E-A947-70E740481C1C}">
+                <a14:useLocalDpi xmlns:a14="http://schemas.microsoft.com/office/drawing/2010/main" val="0"/>
+              </a:ext>
+            </a:extLst>
+          </a:blip>
+          <a:srcRect/>
+          <a:stretch>
+            <a:fillRect/>
+          </a:stretch>
+        </p:blipFill>
+        <p:spPr bwMode="auto">
+          <a:xfrm>
+            <a:off x="318840" y="1939265"/>
+            <a:ext cx="3816424" cy="3649975"/>
+          </a:xfrm>
+          <a:prstGeom prst="rect">
+            <a:avLst/>
+          </a:prstGeom>
+          <a:noFill/>
+          <a:ln>
+            <a:noFill/>
+          </a:ln>
+          <a:effectLst/>
+          <a:extLst>
+            <a:ext uri="{909E8E84-426E-40DD-AFC4-6F175D3DCCD1}">
+              <a14:hiddenFill xmlns:a14="http://schemas.microsoft.com/office/drawing/2010/main">
+                <a:solidFill>
+                  <a:schemeClr val="accent1"/>
+                </a:solidFill>
+              </a14:hiddenFill>
+            </a:ext>
+            <a:ext uri="{91240B29-F687-4F45-9708-019B960494DF}">
+              <a14:hiddenLine xmlns:a14="http://schemas.microsoft.com/office/drawing/2010/main" w="9525">
+                <a:solidFill>
+                  <a:schemeClr val="tx1"/>
+                </a:solidFill>
+                <a:miter lim="800000"/>
+                <a:headEnd/>
+                <a:tailEnd/>
+              </a14:hiddenLine>
+            </a:ext>
+            <a:ext uri="{AF507438-7753-43E0-B8FC-AC1667EBCBE1}">
+              <a14:hiddenEffects xmlns:a14="http://schemas.microsoft.com/office/drawing/2010/main">
+                <a:effectLst>
+                  <a:outerShdw dist="35921" dir="2700000" algn="ctr" rotWithShape="0">
+                    <a:schemeClr val="bg2"/>
+                  </a:outerShdw>
+                </a:effectLst>
+              </a14:hiddenEffects>
+            </a:ext>
+          </a:extLst>
+        </p:spPr>
+      </p:pic>
+      <p:sp>
+        <p:nvSpPr>
+          <p:cNvPr id="6" name="TextBox 5"/>
+          <p:cNvSpPr txBox="1"/>
+          <p:nvPr/>
+        </p:nvSpPr>
+        <p:spPr>
+          <a:xfrm>
+            <a:off x="331785" y="864249"/>
+            <a:ext cx="3781484" cy="523220"/>
+          </a:xfrm>
+          <a:prstGeom prst="rect">
+            <a:avLst/>
+          </a:prstGeom>
+          <a:noFill/>
+        </p:spPr>
+        <p:txBody>
+          <a:bodyPr wrap="none" rtlCol="0">
+            <a:spAutoFit/>
+          </a:bodyPr>
+          <a:lstStyle/>
+          <a:p>
+            <a:pPr algn="ctr"/>
+            <a:r>
+              <a:rPr lang="en-US" altLang="ko-KR" sz="2800" b="1" dirty="0"/>
+              <a:t>Cartesian Coordinate</a:t>
+            </a:r>
+            <a:endParaRPr lang="ko-KR" altLang="en-US" sz="2800" b="1" dirty="0"/>
+          </a:p>
+        </p:txBody>
+      </p:sp>
+      <p:sp>
+        <p:nvSpPr>
+          <p:cNvPr id="14" name="TextBox 13"/>
+          <p:cNvSpPr txBox="1"/>
+          <p:nvPr/>
+        </p:nvSpPr>
+        <p:spPr>
+          <a:xfrm>
+            <a:off x="5173774" y="864249"/>
+            <a:ext cx="3061223" cy="523220"/>
+          </a:xfrm>
+          <a:prstGeom prst="rect">
+            <a:avLst/>
+          </a:prstGeom>
+          <a:noFill/>
+        </p:spPr>
+        <p:txBody>
+          <a:bodyPr wrap="none" rtlCol="0">
+            <a:spAutoFit/>
+          </a:bodyPr>
+          <a:lstStyle/>
+          <a:p>
+            <a:pPr algn="ctr"/>
+            <a:r>
+              <a:rPr lang="en-US" altLang="ko-KR" sz="2800" b="1" dirty="0"/>
+              <a:t>Polar Coordinate</a:t>
+            </a:r>
+            <a:endParaRPr lang="ko-KR" altLang="en-US" sz="2800" b="1" dirty="0"/>
+          </a:p>
+        </p:txBody>
+      </p:sp>
+      <mc:AlternateContent xmlns:mc="http://schemas.openxmlformats.org/markup-compatibility/2006" xmlns:a14="http://schemas.microsoft.com/office/drawing/2010/main">
+        <mc:Choice Requires="a14">
+          <p:sp>
+            <p:nvSpPr>
+              <p:cNvPr id="16" name="TextBox 15"/>
+              <p:cNvSpPr txBox="1"/>
+              <p:nvPr/>
+            </p:nvSpPr>
+            <p:spPr>
+              <a:xfrm>
+                <a:off x="1835696" y="1619508"/>
+                <a:ext cx="396839" cy="369332"/>
+              </a:xfrm>
+              <a:prstGeom prst="rect">
+                <a:avLst/>
+              </a:prstGeom>
+              <a:noFill/>
+            </p:spPr>
+            <p:txBody>
+              <a:bodyPr wrap="none" rtlCol="0">
+                <a:spAutoFit/>
+              </a:bodyPr>
+              <a:lstStyle/>
+              <a:p>
+                <a:pPr/>
+                <a14:m>
+                  <m:oMathPara xmlns:m="http://schemas.openxmlformats.org/officeDocument/2006/math">
+                    <m:oMathParaPr>
+                      <m:jc m:val="centerGroup"/>
+                    </m:oMathParaPr>
+                    <m:oMath xmlns:m="http://schemas.openxmlformats.org/officeDocument/2006/math">
+                      <m:r>
+                        <a:rPr lang="en-US" altLang="ko-KR" b="0" i="1" smtClean="0">
+                          <a:latin typeface="Cambria Math"/>
+                        </a:rPr>
+                        <m:t>𝑦</m:t>
+                      </m:r>
+                    </m:oMath>
+                  </m:oMathPara>
+                </a14:m>
+                <a:endParaRPr lang="ko-KR" altLang="en-US" dirty="0"/>
+              </a:p>
+            </p:txBody>
+          </p:sp>
+        </mc:Choice>
+        <mc:Fallback xmlns="">
+          <p:sp>
+            <p:nvSpPr>
+              <p:cNvPr id="16" name="TextBox 15"/>
+              <p:cNvSpPr txBox="1">
+                <a:spLocks noRot="1" noChangeAspect="1" noMove="1" noResize="1" noEditPoints="1" noAdjustHandles="1" noChangeArrowheads="1" noChangeShapeType="1" noTextEdit="1"/>
+              </p:cNvSpPr>
+              <p:nvPr/>
+            </p:nvSpPr>
+            <p:spPr>
+              <a:xfrm>
+                <a:off x="1835696" y="1619508"/>
+                <a:ext cx="396839" cy="369332"/>
+              </a:xfrm>
+              <a:prstGeom prst="rect">
+                <a:avLst/>
+              </a:prstGeom>
+              <a:blipFill rotWithShape="1">
+                <a:blip r:embed="rId3"/>
+                <a:stretch>
+                  <a:fillRect b="-10000"/>
+                </a:stretch>
+              </a:blipFill>
+            </p:spPr>
+            <p:txBody>
+              <a:bodyPr/>
+              <a:lstStyle/>
+              <a:p>
+                <a:r>
+                  <a:rPr lang="ko-KR" altLang="en-US">
+                    <a:noFill/>
+                  </a:rPr>
+                  <a:t> </a:t>
+                </a:r>
+              </a:p>
+            </p:txBody>
+          </p:sp>
+        </mc:Fallback>
+      </mc:AlternateContent>
+      <p:pic>
+        <p:nvPicPr>
+          <p:cNvPr id="1032" name="Picture 8"/>
+          <p:cNvPicPr>
+            <a:picLocks noChangeAspect="1" noChangeArrowheads="1"/>
+          </p:cNvPicPr>
+          <p:nvPr/>
+        </p:nvPicPr>
+        <p:blipFill>
+          <a:blip r:embed="rId4">
+            <a:extLst>
+              <a:ext uri="{28A0092B-C50C-407E-A947-70E740481C1C}">
+                <a14:useLocalDpi xmlns:a14="http://schemas.microsoft.com/office/drawing/2010/main" val="0"/>
+              </a:ext>
+            </a:extLst>
+          </a:blip>
+          <a:srcRect/>
+          <a:stretch>
+            <a:fillRect/>
+          </a:stretch>
+        </p:blipFill>
+        <p:spPr bwMode="auto">
+          <a:xfrm>
+            <a:off x="4815787" y="1803678"/>
+            <a:ext cx="3781461" cy="3746872"/>
+          </a:xfrm>
+          <a:prstGeom prst="ellipse">
+            <a:avLst/>
+          </a:prstGeom>
+          <a:noFill/>
+          <a:ln>
+            <a:noFill/>
+          </a:ln>
+          <a:effectLst/>
+          <a:extLst>
+            <a:ext uri="{909E8E84-426E-40DD-AFC4-6F175D3DCCD1}">
+              <a14:hiddenFill xmlns:a14="http://schemas.microsoft.com/office/drawing/2010/main">
+                <a:solidFill>
+                  <a:schemeClr val="accent1"/>
+                </a:solidFill>
+              </a14:hiddenFill>
+            </a:ext>
+            <a:ext uri="{91240B29-F687-4F45-9708-019B960494DF}">
+              <a14:hiddenLine xmlns:a14="http://schemas.microsoft.com/office/drawing/2010/main" w="9525">
+                <a:solidFill>
+                  <a:schemeClr val="tx1"/>
+                </a:solidFill>
+                <a:miter lim="800000"/>
+                <a:headEnd/>
+                <a:tailEnd/>
+              </a14:hiddenLine>
+            </a:ext>
+            <a:ext uri="{AF507438-7753-43E0-B8FC-AC1667EBCBE1}">
+              <a14:hiddenEffects xmlns:a14="http://schemas.microsoft.com/office/drawing/2010/main">
+                <a:effectLst>
+                  <a:outerShdw dist="35921" dir="2700000" algn="ctr" rotWithShape="0">
+                    <a:schemeClr val="bg2"/>
+                  </a:outerShdw>
+                </a:effectLst>
+              </a14:hiddenEffects>
+            </a:ext>
+          </a:extLst>
+        </p:spPr>
+      </p:pic>
+      <mc:AlternateContent xmlns:mc="http://schemas.openxmlformats.org/markup-compatibility/2006" xmlns:a14="http://schemas.microsoft.com/office/drawing/2010/main">
+        <mc:Choice Requires="a14">
+          <p:sp>
+            <p:nvSpPr>
+              <p:cNvPr id="22" name="TextBox 21"/>
+              <p:cNvSpPr txBox="1"/>
+              <p:nvPr/>
+            </p:nvSpPr>
+            <p:spPr>
+              <a:xfrm>
+                <a:off x="3936844" y="3746492"/>
+                <a:ext cx="396839" cy="369332"/>
+              </a:xfrm>
+              <a:prstGeom prst="rect">
+                <a:avLst/>
+              </a:prstGeom>
+              <a:noFill/>
+            </p:spPr>
+            <p:txBody>
+              <a:bodyPr wrap="none" rtlCol="0">
+                <a:spAutoFit/>
+              </a:bodyPr>
+              <a:lstStyle/>
+              <a:p>
+                <a:pPr/>
+                <a14:m>
+                  <m:oMathPara xmlns:m="http://schemas.openxmlformats.org/officeDocument/2006/math">
+                    <m:oMathParaPr>
+                      <m:jc m:val="centerGroup"/>
+                    </m:oMathParaPr>
+                    <m:oMath xmlns:m="http://schemas.openxmlformats.org/officeDocument/2006/math">
+                      <m:r>
+                        <a:rPr lang="en-US" altLang="ko-KR" b="0" i="1" smtClean="0">
+                          <a:latin typeface="Cambria Math"/>
+                        </a:rPr>
+                        <m:t>𝑥</m:t>
+                      </m:r>
+                    </m:oMath>
+                  </m:oMathPara>
+                </a14:m>
+                <a:endParaRPr lang="ko-KR" altLang="en-US" dirty="0"/>
+              </a:p>
+            </p:txBody>
+          </p:sp>
+        </mc:Choice>
+        <mc:Fallback xmlns="">
+          <p:sp>
+            <p:nvSpPr>
+              <p:cNvPr id="22" name="TextBox 21"/>
+              <p:cNvSpPr txBox="1">
+                <a:spLocks noRot="1" noChangeAspect="1" noMove="1" noResize="1" noEditPoints="1" noAdjustHandles="1" noChangeArrowheads="1" noChangeShapeType="1" noTextEdit="1"/>
+              </p:cNvSpPr>
+              <p:nvPr/>
+            </p:nvSpPr>
+            <p:spPr>
+              <a:xfrm>
+                <a:off x="3936844" y="3746492"/>
+                <a:ext cx="396839" cy="369332"/>
+              </a:xfrm>
+              <a:prstGeom prst="rect">
+                <a:avLst/>
+              </a:prstGeom>
+              <a:blipFill rotWithShape="1">
+                <a:blip r:embed="rId5"/>
+                <a:stretch>
+                  <a:fillRect/>
+                </a:stretch>
+              </a:blipFill>
+            </p:spPr>
+            <p:txBody>
+              <a:bodyPr/>
+              <a:lstStyle/>
+              <a:p>
+                <a:r>
+                  <a:rPr lang="ko-KR" altLang="en-US">
+                    <a:noFill/>
+                  </a:rPr>
+                  <a:t> </a:t>
+                </a:r>
+              </a:p>
+            </p:txBody>
+          </p:sp>
+        </mc:Fallback>
+      </mc:AlternateContent>
+      <mc:AlternateContent xmlns:mc="http://schemas.openxmlformats.org/markup-compatibility/2006" xmlns:a14="http://schemas.microsoft.com/office/drawing/2010/main">
+        <mc:Choice Requires="a14">
+          <p:sp>
+            <p:nvSpPr>
+              <p:cNvPr id="23" name="TextBox 22"/>
+              <p:cNvSpPr txBox="1"/>
+              <p:nvPr/>
+            </p:nvSpPr>
+            <p:spPr>
+              <a:xfrm>
+                <a:off x="8597248" y="3492448"/>
+                <a:ext cx="396839" cy="369332"/>
+              </a:xfrm>
+              <a:prstGeom prst="rect">
+                <a:avLst/>
+              </a:prstGeom>
+              <a:noFill/>
+            </p:spPr>
+            <p:txBody>
+              <a:bodyPr wrap="none" rtlCol="0">
+                <a:spAutoFit/>
+              </a:bodyPr>
+              <a:lstStyle/>
+              <a:p>
+                <a:pPr/>
+                <a14:m>
+                  <m:oMathPara xmlns:m="http://schemas.openxmlformats.org/officeDocument/2006/math">
+                    <m:oMathParaPr>
+                      <m:jc m:val="centerGroup"/>
+                    </m:oMathParaPr>
+                    <m:oMath xmlns:m="http://schemas.openxmlformats.org/officeDocument/2006/math">
+                      <m:r>
+                        <a:rPr lang="en-US" altLang="ko-KR" b="0" i="1" smtClean="0">
+                          <a:latin typeface="Cambria Math"/>
+                        </a:rPr>
+                        <m:t>0</m:t>
+                      </m:r>
+                    </m:oMath>
+                  </m:oMathPara>
+                </a14:m>
+                <a:endParaRPr lang="ko-KR" altLang="en-US" dirty="0"/>
+              </a:p>
+            </p:txBody>
+          </p:sp>
+        </mc:Choice>
+        <mc:Fallback xmlns="">
+          <p:sp>
+            <p:nvSpPr>
+              <p:cNvPr id="23" name="TextBox 22"/>
+              <p:cNvSpPr txBox="1">
+                <a:spLocks noRot="1" noChangeAspect="1" noMove="1" noResize="1" noEditPoints="1" noAdjustHandles="1" noChangeArrowheads="1" noChangeShapeType="1" noTextEdit="1"/>
+              </p:cNvSpPr>
+              <p:nvPr/>
+            </p:nvSpPr>
+            <p:spPr>
+              <a:xfrm>
+                <a:off x="8597248" y="3492448"/>
+                <a:ext cx="396839" cy="369332"/>
+              </a:xfrm>
+              <a:prstGeom prst="rect">
+                <a:avLst/>
+              </a:prstGeom>
+              <a:blipFill rotWithShape="1">
+                <a:blip r:embed="rId6"/>
+                <a:stretch>
+                  <a:fillRect/>
+                </a:stretch>
+              </a:blipFill>
+            </p:spPr>
+            <p:txBody>
+              <a:bodyPr/>
+              <a:lstStyle/>
+              <a:p>
+                <a:r>
+                  <a:rPr lang="ko-KR" altLang="en-US">
+                    <a:noFill/>
+                  </a:rPr>
+                  <a:t> </a:t>
+                </a:r>
+              </a:p>
+            </p:txBody>
+          </p:sp>
+        </mc:Fallback>
+      </mc:AlternateContent>
+      <mc:AlternateContent xmlns:mc="http://schemas.openxmlformats.org/markup-compatibility/2006" xmlns:a14="http://schemas.microsoft.com/office/drawing/2010/main">
+        <mc:Choice Requires="a14">
+          <p:sp>
+            <p:nvSpPr>
+              <p:cNvPr id="24" name="TextBox 23"/>
+              <p:cNvSpPr txBox="1"/>
+              <p:nvPr/>
+            </p:nvSpPr>
+            <p:spPr>
+              <a:xfrm>
+                <a:off x="8028384" y="1988840"/>
+                <a:ext cx="649665" cy="369332"/>
+              </a:xfrm>
+              <a:prstGeom prst="rect">
+                <a:avLst/>
+              </a:prstGeom>
+              <a:noFill/>
+            </p:spPr>
+            <p:txBody>
+              <a:bodyPr wrap="none" rtlCol="0">
+                <a:spAutoFit/>
+              </a:bodyPr>
+              <a:lstStyle/>
+              <a:p>
+                <a:pPr/>
+                <a14:m>
+                  <m:oMathPara xmlns:m="http://schemas.openxmlformats.org/officeDocument/2006/math">
+                    <m:oMathParaPr>
+                      <m:jc m:val="centerGroup"/>
+                    </m:oMathParaPr>
+                    <m:oMath xmlns:m="http://schemas.openxmlformats.org/officeDocument/2006/math">
+                      <m:r>
+                        <a:rPr lang="en-US" altLang="ko-KR" b="0" i="1" smtClean="0">
+                          <a:latin typeface="Cambria Math"/>
+                        </a:rPr>
+                        <m:t>𝜋</m:t>
+                      </m:r>
+                      <m:r>
+                        <a:rPr lang="en-US" altLang="ko-KR" b="0" i="1" smtClean="0">
+                          <a:latin typeface="Cambria Math"/>
+                        </a:rPr>
+                        <m:t>/4</m:t>
+                      </m:r>
+                    </m:oMath>
+                  </m:oMathPara>
+                </a14:m>
+                <a:endParaRPr lang="ko-KR" altLang="en-US" dirty="0"/>
+              </a:p>
+            </p:txBody>
+          </p:sp>
+        </mc:Choice>
+        <mc:Fallback xmlns="">
+          <p:sp>
+            <p:nvSpPr>
+              <p:cNvPr id="24" name="TextBox 23"/>
+              <p:cNvSpPr txBox="1">
+                <a:spLocks noRot="1" noChangeAspect="1" noMove="1" noResize="1" noEditPoints="1" noAdjustHandles="1" noChangeArrowheads="1" noChangeShapeType="1" noTextEdit="1"/>
+              </p:cNvSpPr>
+              <p:nvPr/>
+            </p:nvSpPr>
+            <p:spPr>
+              <a:xfrm>
+                <a:off x="8028384" y="1988840"/>
+                <a:ext cx="649665" cy="369332"/>
+              </a:xfrm>
+              <a:prstGeom prst="rect">
+                <a:avLst/>
+              </a:prstGeom>
+              <a:blipFill rotWithShape="1">
+                <a:blip r:embed="rId7"/>
+                <a:stretch>
+                  <a:fillRect b="-14754"/>
+                </a:stretch>
+              </a:blipFill>
+            </p:spPr>
+            <p:txBody>
+              <a:bodyPr/>
+              <a:lstStyle/>
+              <a:p>
+                <a:r>
+                  <a:rPr lang="ko-KR" altLang="en-US">
+                    <a:noFill/>
+                  </a:rPr>
+                  <a:t> </a:t>
+                </a:r>
+              </a:p>
+            </p:txBody>
+          </p:sp>
+        </mc:Fallback>
+      </mc:AlternateContent>
+      <mc:AlternateContent xmlns:mc="http://schemas.openxmlformats.org/markup-compatibility/2006" xmlns:a14="http://schemas.microsoft.com/office/drawing/2010/main">
+        <mc:Choice Requires="a14">
+          <p:sp>
+            <p:nvSpPr>
+              <p:cNvPr id="25" name="TextBox 24"/>
+              <p:cNvSpPr txBox="1"/>
+              <p:nvPr/>
+            </p:nvSpPr>
+            <p:spPr>
+              <a:xfrm>
+                <a:off x="6379550" y="1434346"/>
+                <a:ext cx="649665" cy="369332"/>
+              </a:xfrm>
+              <a:prstGeom prst="rect">
+                <a:avLst/>
+              </a:prstGeom>
+              <a:noFill/>
+            </p:spPr>
+            <p:txBody>
+              <a:bodyPr wrap="none" rtlCol="0">
+                <a:spAutoFit/>
+              </a:bodyPr>
+              <a:lstStyle/>
+              <a:p>
+                <a:pPr/>
+                <a14:m>
+                  <m:oMathPara xmlns:m="http://schemas.openxmlformats.org/officeDocument/2006/math">
+                    <m:oMathParaPr>
+                      <m:jc m:val="centerGroup"/>
+                    </m:oMathParaPr>
+                    <m:oMath xmlns:m="http://schemas.openxmlformats.org/officeDocument/2006/math">
+                      <m:r>
+                        <a:rPr lang="en-US" altLang="ko-KR" b="0" i="1" smtClean="0">
+                          <a:latin typeface="Cambria Math"/>
+                        </a:rPr>
+                        <m:t>𝜋</m:t>
+                      </m:r>
+                      <m:r>
+                        <a:rPr lang="en-US" altLang="ko-KR" b="0" i="1" smtClean="0">
+                          <a:latin typeface="Cambria Math"/>
+                        </a:rPr>
+                        <m:t>/</m:t>
+                      </m:r>
+                      <m:r>
+                        <a:rPr lang="en-US" altLang="ko-KR" b="0" i="0" smtClean="0">
+                          <a:latin typeface="Cambria Math"/>
+                        </a:rPr>
+                        <m:t>2</m:t>
+                      </m:r>
+                    </m:oMath>
+                  </m:oMathPara>
+                </a14:m>
+                <a:endParaRPr lang="ko-KR" altLang="en-US" dirty="0"/>
+              </a:p>
+            </p:txBody>
+          </p:sp>
+        </mc:Choice>
+        <mc:Fallback xmlns="">
+          <p:sp>
+            <p:nvSpPr>
+              <p:cNvPr id="25" name="TextBox 24"/>
+              <p:cNvSpPr txBox="1">
+                <a:spLocks noRot="1" noChangeAspect="1" noMove="1" noResize="1" noEditPoints="1" noAdjustHandles="1" noChangeArrowheads="1" noChangeShapeType="1" noTextEdit="1"/>
+              </p:cNvSpPr>
+              <p:nvPr/>
+            </p:nvSpPr>
+            <p:spPr>
+              <a:xfrm>
+                <a:off x="6379550" y="1434346"/>
+                <a:ext cx="649665" cy="369332"/>
+              </a:xfrm>
+              <a:prstGeom prst="rect">
+                <a:avLst/>
+              </a:prstGeom>
+              <a:blipFill rotWithShape="1">
+                <a:blip r:embed="rId8"/>
+                <a:stretch>
+                  <a:fillRect b="-14754"/>
+                </a:stretch>
+              </a:blipFill>
+            </p:spPr>
+            <p:txBody>
+              <a:bodyPr/>
+              <a:lstStyle/>
+              <a:p>
+                <a:r>
+                  <a:rPr lang="ko-KR" altLang="en-US">
+                    <a:noFill/>
+                  </a:rPr>
+                  <a:t> </a:t>
+                </a:r>
+              </a:p>
+            </p:txBody>
+          </p:sp>
+        </mc:Fallback>
+      </mc:AlternateContent>
+      <mc:AlternateContent xmlns:mc="http://schemas.openxmlformats.org/markup-compatibility/2006" xmlns:a14="http://schemas.microsoft.com/office/drawing/2010/main">
+        <mc:Choice Requires="a14">
+          <p:sp>
+            <p:nvSpPr>
+              <p:cNvPr id="26" name="TextBox 25"/>
+              <p:cNvSpPr txBox="1"/>
+              <p:nvPr/>
+            </p:nvSpPr>
+            <p:spPr>
+              <a:xfrm>
+                <a:off x="4427984" y="3429000"/>
+                <a:ext cx="407612" cy="369332"/>
+              </a:xfrm>
+              <a:prstGeom prst="rect">
+                <a:avLst/>
+              </a:prstGeom>
+              <a:noFill/>
+            </p:spPr>
+            <p:txBody>
+              <a:bodyPr wrap="none" rtlCol="0">
+                <a:spAutoFit/>
+              </a:bodyPr>
+              <a:lstStyle/>
+              <a:p>
+                <a:pPr/>
+                <a14:m>
+                  <m:oMathPara xmlns:m="http://schemas.openxmlformats.org/officeDocument/2006/math">
+                    <m:oMathParaPr>
+                      <m:jc m:val="centerGroup"/>
+                    </m:oMathParaPr>
+                    <m:oMath xmlns:m="http://schemas.openxmlformats.org/officeDocument/2006/math">
+                      <m:r>
+                        <a:rPr lang="en-US" altLang="ko-KR" b="0" i="1" smtClean="0">
+                          <a:latin typeface="Cambria Math"/>
+                        </a:rPr>
+                        <m:t>𝜋</m:t>
+                      </m:r>
+                    </m:oMath>
+                  </m:oMathPara>
+                </a14:m>
+                <a:endParaRPr lang="ko-KR" altLang="en-US" dirty="0"/>
+              </a:p>
+            </p:txBody>
+          </p:sp>
+        </mc:Choice>
+        <mc:Fallback xmlns="">
+          <p:sp>
+            <p:nvSpPr>
+              <p:cNvPr id="26" name="TextBox 25"/>
+              <p:cNvSpPr txBox="1">
+                <a:spLocks noRot="1" noChangeAspect="1" noMove="1" noResize="1" noEditPoints="1" noAdjustHandles="1" noChangeArrowheads="1" noChangeShapeType="1" noTextEdit="1"/>
+              </p:cNvSpPr>
+              <p:nvPr/>
+            </p:nvSpPr>
+            <p:spPr>
+              <a:xfrm>
+                <a:off x="4427984" y="3429000"/>
+                <a:ext cx="407612" cy="369332"/>
+              </a:xfrm>
+              <a:prstGeom prst="rect">
+                <a:avLst/>
+              </a:prstGeom>
+              <a:blipFill rotWithShape="1">
+                <a:blip r:embed="rId9"/>
+                <a:stretch>
+                  <a:fillRect/>
+                </a:stretch>
+              </a:blipFill>
+            </p:spPr>
+            <p:txBody>
+              <a:bodyPr/>
+              <a:lstStyle/>
+              <a:p>
+                <a:r>
+                  <a:rPr lang="ko-KR" altLang="en-US">
+                    <a:noFill/>
+                  </a:rPr>
+                  <a:t> </a:t>
+                </a:r>
+              </a:p>
+            </p:txBody>
+          </p:sp>
+        </mc:Fallback>
+      </mc:AlternateContent>
+      <mc:AlternateContent xmlns:mc="http://schemas.openxmlformats.org/markup-compatibility/2006" xmlns:a14="http://schemas.microsoft.com/office/drawing/2010/main">
+        <mc:Choice Requires="a14">
+          <p:sp>
+            <p:nvSpPr>
+              <p:cNvPr id="27" name="TextBox 26"/>
+              <p:cNvSpPr txBox="1"/>
+              <p:nvPr/>
+            </p:nvSpPr>
+            <p:spPr>
+              <a:xfrm>
+                <a:off x="6325592" y="5601932"/>
+                <a:ext cx="777905" cy="369332"/>
+              </a:xfrm>
+              <a:prstGeom prst="rect">
+                <a:avLst/>
+              </a:prstGeom>
+              <a:noFill/>
+            </p:spPr>
+            <p:txBody>
+              <a:bodyPr wrap="none" rtlCol="0">
+                <a:spAutoFit/>
+              </a:bodyPr>
+              <a:lstStyle/>
+              <a:p>
+                <a:pPr/>
+                <a14:m>
+                  <m:oMathPara xmlns:m="http://schemas.openxmlformats.org/officeDocument/2006/math">
+                    <m:oMathParaPr>
+                      <m:jc m:val="centerGroup"/>
+                    </m:oMathParaPr>
+                    <m:oMath xmlns:m="http://schemas.openxmlformats.org/officeDocument/2006/math">
+                      <m:r>
+                        <a:rPr lang="en-US" altLang="ko-KR" b="0" i="1" smtClean="0">
+                          <a:latin typeface="Cambria Math"/>
+                        </a:rPr>
+                        <m:t>3</m:t>
+                      </m:r>
+                      <m:r>
+                        <a:rPr lang="en-US" altLang="ko-KR" b="0" i="1" smtClean="0">
+                          <a:latin typeface="Cambria Math"/>
+                        </a:rPr>
+                        <m:t>𝜋</m:t>
+                      </m:r>
+                      <m:r>
+                        <a:rPr lang="en-US" altLang="ko-KR" b="0" i="1" smtClean="0">
+                          <a:latin typeface="Cambria Math"/>
+                        </a:rPr>
+                        <m:t>/2</m:t>
+                      </m:r>
+                    </m:oMath>
+                  </m:oMathPara>
+                </a14:m>
+                <a:endParaRPr lang="ko-KR" altLang="en-US" dirty="0"/>
+              </a:p>
+            </p:txBody>
+          </p:sp>
+        </mc:Choice>
+        <mc:Fallback xmlns="">
+          <p:sp>
+            <p:nvSpPr>
+              <p:cNvPr id="27" name="TextBox 26"/>
+              <p:cNvSpPr txBox="1">
+                <a:spLocks noRot="1" noChangeAspect="1" noMove="1" noResize="1" noEditPoints="1" noAdjustHandles="1" noChangeArrowheads="1" noChangeShapeType="1" noTextEdit="1"/>
+              </p:cNvSpPr>
+              <p:nvPr/>
+            </p:nvSpPr>
+            <p:spPr>
+              <a:xfrm>
+                <a:off x="6325592" y="5601932"/>
+                <a:ext cx="777905" cy="369332"/>
+              </a:xfrm>
+              <a:prstGeom prst="rect">
+                <a:avLst/>
+              </a:prstGeom>
+              <a:blipFill rotWithShape="1">
+                <a:blip r:embed="rId10"/>
+                <a:stretch>
+                  <a:fillRect b="-14754"/>
+                </a:stretch>
+              </a:blipFill>
+            </p:spPr>
+            <p:txBody>
+              <a:bodyPr/>
+              <a:lstStyle/>
+              <a:p>
+                <a:r>
+                  <a:rPr lang="ko-KR" altLang="en-US">
+                    <a:noFill/>
+                  </a:rPr>
+                  <a:t> </a:t>
+                </a:r>
+              </a:p>
+            </p:txBody>
+          </p:sp>
+        </mc:Fallback>
+      </mc:AlternateContent>
+      <mc:AlternateContent xmlns:mc="http://schemas.openxmlformats.org/markup-compatibility/2006" xmlns:a14="http://schemas.microsoft.com/office/drawing/2010/main">
+        <mc:Choice Requires="a14">
+          <p:sp>
+            <p:nvSpPr>
+              <p:cNvPr id="28" name="TextBox 27"/>
+              <p:cNvSpPr txBox="1"/>
+              <p:nvPr/>
+            </p:nvSpPr>
+            <p:spPr>
+              <a:xfrm>
+                <a:off x="4860032" y="1988840"/>
+                <a:ext cx="777905" cy="369332"/>
+              </a:xfrm>
+              <a:prstGeom prst="rect">
+                <a:avLst/>
+              </a:prstGeom>
+              <a:noFill/>
+            </p:spPr>
+            <p:txBody>
+              <a:bodyPr wrap="none" rtlCol="0">
+                <a:spAutoFit/>
+              </a:bodyPr>
+              <a:lstStyle/>
+              <a:p>
+                <a:pPr/>
+                <a14:m>
+                  <m:oMathPara xmlns:m="http://schemas.openxmlformats.org/officeDocument/2006/math">
+                    <m:oMathParaPr>
+                      <m:jc m:val="centerGroup"/>
+                    </m:oMathParaPr>
+                    <m:oMath xmlns:m="http://schemas.openxmlformats.org/officeDocument/2006/math">
+                      <m:r>
+                        <a:rPr lang="en-US" altLang="ko-KR" b="0" i="1" smtClean="0">
+                          <a:latin typeface="Cambria Math"/>
+                        </a:rPr>
+                        <m:t>3</m:t>
+                      </m:r>
+                      <m:r>
+                        <a:rPr lang="en-US" altLang="ko-KR" b="0" i="1" smtClean="0">
+                          <a:latin typeface="Cambria Math"/>
+                        </a:rPr>
+                        <m:t>𝜋</m:t>
+                      </m:r>
+                      <m:r>
+                        <a:rPr lang="en-US" altLang="ko-KR" b="0" i="1" smtClean="0">
+                          <a:latin typeface="Cambria Math"/>
+                        </a:rPr>
+                        <m:t>/4</m:t>
+                      </m:r>
+                    </m:oMath>
+                  </m:oMathPara>
+                </a14:m>
+                <a:endParaRPr lang="ko-KR" altLang="en-US" dirty="0"/>
+              </a:p>
+            </p:txBody>
+          </p:sp>
+        </mc:Choice>
+        <mc:Fallback xmlns="">
+          <p:sp>
+            <p:nvSpPr>
+              <p:cNvPr id="28" name="TextBox 27"/>
+              <p:cNvSpPr txBox="1">
+                <a:spLocks noRot="1" noChangeAspect="1" noMove="1" noResize="1" noEditPoints="1" noAdjustHandles="1" noChangeArrowheads="1" noChangeShapeType="1" noTextEdit="1"/>
+              </p:cNvSpPr>
+              <p:nvPr/>
+            </p:nvSpPr>
+            <p:spPr>
+              <a:xfrm>
+                <a:off x="4860032" y="1988840"/>
+                <a:ext cx="777905" cy="369332"/>
+              </a:xfrm>
+              <a:prstGeom prst="rect">
+                <a:avLst/>
+              </a:prstGeom>
+              <a:blipFill rotWithShape="1">
+                <a:blip r:embed="rId11"/>
+                <a:stretch>
+                  <a:fillRect b="-14754"/>
+                </a:stretch>
+              </a:blipFill>
+            </p:spPr>
+            <p:txBody>
+              <a:bodyPr/>
+              <a:lstStyle/>
+              <a:p>
+                <a:r>
+                  <a:rPr lang="ko-KR" altLang="en-US">
+                    <a:noFill/>
+                  </a:rPr>
+                  <a:t> </a:t>
+                </a:r>
+              </a:p>
+            </p:txBody>
+          </p:sp>
+        </mc:Fallback>
+      </mc:AlternateContent>
+      <mc:AlternateContent xmlns:mc="http://schemas.openxmlformats.org/markup-compatibility/2006" xmlns:a14="http://schemas.microsoft.com/office/drawing/2010/main">
+        <mc:Choice Requires="a14">
+          <p:sp>
+            <p:nvSpPr>
+              <p:cNvPr id="29" name="TextBox 28"/>
+              <p:cNvSpPr txBox="1"/>
+              <p:nvPr/>
+            </p:nvSpPr>
+            <p:spPr>
+              <a:xfrm>
+                <a:off x="4788024" y="4941168"/>
+                <a:ext cx="777905" cy="369332"/>
+              </a:xfrm>
+              <a:prstGeom prst="rect">
+                <a:avLst/>
+              </a:prstGeom>
+              <a:noFill/>
+            </p:spPr>
+            <p:txBody>
+              <a:bodyPr wrap="none" rtlCol="0">
+                <a:spAutoFit/>
+              </a:bodyPr>
+              <a:lstStyle/>
+              <a:p>
+                <a:pPr/>
+                <a14:m>
+                  <m:oMathPara xmlns:m="http://schemas.openxmlformats.org/officeDocument/2006/math">
+                    <m:oMathParaPr>
+                      <m:jc m:val="centerGroup"/>
+                    </m:oMathParaPr>
+                    <m:oMath xmlns:m="http://schemas.openxmlformats.org/officeDocument/2006/math">
+                      <m:r>
+                        <a:rPr lang="en-US" altLang="ko-KR" i="1" smtClean="0">
+                          <a:latin typeface="Cambria Math"/>
+                        </a:rPr>
+                        <m:t>5</m:t>
+                      </m:r>
+                      <m:r>
+                        <a:rPr lang="en-US" altLang="ko-KR" b="0" i="1" smtClean="0">
+                          <a:latin typeface="Cambria Math"/>
+                        </a:rPr>
+                        <m:t>𝜋</m:t>
+                      </m:r>
+                      <m:r>
+                        <a:rPr lang="en-US" altLang="ko-KR" b="0" i="1" smtClean="0">
+                          <a:latin typeface="Cambria Math"/>
+                        </a:rPr>
+                        <m:t>/4</m:t>
+                      </m:r>
+                    </m:oMath>
+                  </m:oMathPara>
+                </a14:m>
+                <a:endParaRPr lang="ko-KR" altLang="en-US" dirty="0"/>
+              </a:p>
+            </p:txBody>
+          </p:sp>
+        </mc:Choice>
+        <mc:Fallback xmlns="">
+          <p:sp>
+            <p:nvSpPr>
+              <p:cNvPr id="29" name="TextBox 28"/>
+              <p:cNvSpPr txBox="1">
+                <a:spLocks noRot="1" noChangeAspect="1" noMove="1" noResize="1" noEditPoints="1" noAdjustHandles="1" noChangeArrowheads="1" noChangeShapeType="1" noTextEdit="1"/>
+              </p:cNvSpPr>
+              <p:nvPr/>
+            </p:nvSpPr>
+            <p:spPr>
+              <a:xfrm>
+                <a:off x="4788024" y="4941168"/>
+                <a:ext cx="777905" cy="369332"/>
+              </a:xfrm>
+              <a:prstGeom prst="rect">
+                <a:avLst/>
+              </a:prstGeom>
+              <a:blipFill rotWithShape="1">
+                <a:blip r:embed="rId12"/>
+                <a:stretch>
+                  <a:fillRect b="-16667"/>
+                </a:stretch>
+              </a:blipFill>
+            </p:spPr>
+            <p:txBody>
+              <a:bodyPr/>
+              <a:lstStyle/>
+              <a:p>
+                <a:r>
+                  <a:rPr lang="ko-KR" altLang="en-US">
+                    <a:noFill/>
+                  </a:rPr>
+                  <a:t> </a:t>
+                </a:r>
+              </a:p>
+            </p:txBody>
+          </p:sp>
+        </mc:Fallback>
+      </mc:AlternateContent>
+      <mc:AlternateContent xmlns:mc="http://schemas.openxmlformats.org/markup-compatibility/2006" xmlns:a14="http://schemas.microsoft.com/office/drawing/2010/main">
+        <mc:Choice Requires="a14">
+          <p:sp>
+            <p:nvSpPr>
+              <p:cNvPr id="30" name="TextBox 29"/>
+              <p:cNvSpPr txBox="1"/>
+              <p:nvPr/>
+            </p:nvSpPr>
+            <p:spPr>
+              <a:xfrm>
+                <a:off x="7819343" y="4941168"/>
+                <a:ext cx="777905" cy="369332"/>
+              </a:xfrm>
+              <a:prstGeom prst="rect">
+                <a:avLst/>
+              </a:prstGeom>
+              <a:noFill/>
+            </p:spPr>
+            <p:txBody>
+              <a:bodyPr wrap="none" rtlCol="0">
+                <a:spAutoFit/>
+              </a:bodyPr>
+              <a:lstStyle/>
+              <a:p>
+                <a:pPr/>
+                <a14:m>
+                  <m:oMathPara xmlns:m="http://schemas.openxmlformats.org/officeDocument/2006/math">
+                    <m:oMathParaPr>
+                      <m:jc m:val="centerGroup"/>
+                    </m:oMathParaPr>
+                    <m:oMath xmlns:m="http://schemas.openxmlformats.org/officeDocument/2006/math">
+                      <m:r>
+                        <a:rPr lang="en-US" altLang="ko-KR" b="0" i="1" smtClean="0">
+                          <a:latin typeface="Cambria Math"/>
+                        </a:rPr>
+                        <m:t>7</m:t>
+                      </m:r>
+                      <m:r>
+                        <a:rPr lang="en-US" altLang="ko-KR" b="0" i="1" smtClean="0">
+                          <a:latin typeface="Cambria Math"/>
+                        </a:rPr>
+                        <m:t>𝜋</m:t>
+                      </m:r>
+                      <m:r>
+                        <a:rPr lang="en-US" altLang="ko-KR" b="0" i="1" smtClean="0">
+                          <a:latin typeface="Cambria Math"/>
+                        </a:rPr>
+                        <m:t>/4</m:t>
+                      </m:r>
+                    </m:oMath>
+                  </m:oMathPara>
+                </a14:m>
+                <a:endParaRPr lang="ko-KR" altLang="en-US" dirty="0"/>
+              </a:p>
+            </p:txBody>
+          </p:sp>
+        </mc:Choice>
+        <mc:Fallback xmlns="">
+          <p:sp>
+            <p:nvSpPr>
+              <p:cNvPr id="30" name="TextBox 29"/>
+              <p:cNvSpPr txBox="1">
+                <a:spLocks noRot="1" noChangeAspect="1" noMove="1" noResize="1" noEditPoints="1" noAdjustHandles="1" noChangeArrowheads="1" noChangeShapeType="1" noTextEdit="1"/>
+              </p:cNvSpPr>
+              <p:nvPr/>
+            </p:nvSpPr>
+            <p:spPr>
+              <a:xfrm>
+                <a:off x="7819343" y="4941168"/>
+                <a:ext cx="777905" cy="369332"/>
+              </a:xfrm>
+              <a:prstGeom prst="rect">
+                <a:avLst/>
+              </a:prstGeom>
+              <a:blipFill rotWithShape="1">
+                <a:blip r:embed="rId13"/>
+                <a:stretch>
+                  <a:fillRect b="-16667"/>
+                </a:stretch>
+              </a:blipFill>
+            </p:spPr>
+            <p:txBody>
+              <a:bodyPr/>
+              <a:lstStyle/>
+              <a:p>
+                <a:r>
+                  <a:rPr lang="ko-KR" altLang="en-US">
+                    <a:noFill/>
+                  </a:rPr>
+                  <a:t> </a:t>
+                </a:r>
+              </a:p>
+            </p:txBody>
+          </p:sp>
+        </mc:Fallback>
+      </mc:AlternateContent>
+    </p:spTree>
+    <p:extLst>
+      <p:ext uri="{BB962C8B-B14F-4D97-AF65-F5344CB8AC3E}">
+        <p14:creationId xmlns:p14="http://schemas.microsoft.com/office/powerpoint/2010/main" val="2952351594"/>
+      </p:ext>
+    </p:extLst>
+  </p:cSld>
+  <p:clrMapOvr>
+    <a:masterClrMapping/>
+  </p:clrMapOvr>
+</p:sld>
+</file>
+
+<file path=ppt/slides/slide3.xml><?xml version="1.0" encoding="utf-8"?>
 <p:sld xmlns:a="http://schemas.openxmlformats.org/drawingml/2006/main" xmlns:r="http://schemas.openxmlformats.org/officeDocument/2006/relationships" xmlns:p="http://schemas.openxmlformats.org/presentationml/2006/main">
   <p:cSld>
     <p:spTree>
@@ -4710,10 +5826,9 @@
           <a:lstStyle/>
           <a:p>
             <a:r>
-              <a:rPr lang="ko-KR" altLang="en-US" dirty="0" smtClean="0"/>
+              <a:rPr lang="ko-KR" altLang="en-US" dirty="0"/>
               <a:t>미소 면적</a:t>
             </a:r>
-            <a:endParaRPr lang="ko-KR" altLang="en-US" dirty="0"/>
           </a:p>
         </p:txBody>
       </p:sp>
@@ -4757,6 +5872,568 @@
     <p:extLst>
       <p:ext uri="{BB962C8B-B14F-4D97-AF65-F5344CB8AC3E}">
         <p14:creationId xmlns:p14="http://schemas.microsoft.com/office/powerpoint/2010/main" val="2448905404"/>
+      </p:ext>
+    </p:extLst>
+  </p:cSld>
+  <p:clrMapOvr>
+    <a:masterClrMapping/>
+  </p:clrMapOvr>
+</p:sld>
+</file>
+
+<file path=ppt/slides/slide4.xml><?xml version="1.0" encoding="utf-8"?>
+<p:sld xmlns:a="http://schemas.openxmlformats.org/drawingml/2006/main" xmlns:r="http://schemas.openxmlformats.org/officeDocument/2006/relationships" xmlns:p="http://schemas.openxmlformats.org/presentationml/2006/main">
+  <p:cSld>
+    <p:spTree>
+      <p:nvGrpSpPr>
+        <p:cNvPr id="1" name=""/>
+        <p:cNvGrpSpPr/>
+        <p:nvPr/>
+      </p:nvGrpSpPr>
+      <p:grpSpPr>
+        <a:xfrm>
+          <a:off x="0" y="0"/>
+          <a:ext cx="0" cy="0"/>
+          <a:chOff x="0" y="0"/>
+          <a:chExt cx="0" cy="0"/>
+        </a:xfrm>
+      </p:grpSpPr>
+      <p:pic>
+        <p:nvPicPr>
+          <p:cNvPr id="1029" name="Picture 5"/>
+          <p:cNvPicPr>
+            <a:picLocks noChangeAspect="1" noChangeArrowheads="1"/>
+          </p:cNvPicPr>
+          <p:nvPr/>
+        </p:nvPicPr>
+        <p:blipFill>
+          <a:blip r:embed="rId2">
+            <a:extLst>
+              <a:ext uri="{28A0092B-C50C-407E-A947-70E740481C1C}">
+                <a14:useLocalDpi xmlns:a14="http://schemas.microsoft.com/office/drawing/2010/main" val="0"/>
+              </a:ext>
+            </a:extLst>
+          </a:blip>
+          <a:srcRect/>
+          <a:stretch>
+            <a:fillRect/>
+          </a:stretch>
+        </p:blipFill>
+        <p:spPr bwMode="auto">
+          <a:xfrm>
+            <a:off x="1043609" y="315960"/>
+            <a:ext cx="7056784" cy="6226080"/>
+          </a:xfrm>
+          <a:prstGeom prst="rect">
+            <a:avLst/>
+          </a:prstGeom>
+          <a:noFill/>
+          <a:ln>
+            <a:noFill/>
+          </a:ln>
+          <a:effectLst/>
+          <a:extLst>
+            <a:ext uri="{909E8E84-426E-40DD-AFC4-6F175D3DCCD1}">
+              <a14:hiddenFill xmlns:a14="http://schemas.microsoft.com/office/drawing/2010/main">
+                <a:solidFill>
+                  <a:schemeClr val="accent1"/>
+                </a:solidFill>
+              </a14:hiddenFill>
+            </a:ext>
+            <a:ext uri="{91240B29-F687-4F45-9708-019B960494DF}">
+              <a14:hiddenLine xmlns:a14="http://schemas.microsoft.com/office/drawing/2010/main" w="9525">
+                <a:solidFill>
+                  <a:schemeClr val="tx1"/>
+                </a:solidFill>
+                <a:miter lim="800000"/>
+                <a:headEnd/>
+                <a:tailEnd/>
+              </a14:hiddenLine>
+            </a:ext>
+            <a:ext uri="{AF507438-7753-43E0-B8FC-AC1667EBCBE1}">
+              <a14:hiddenEffects xmlns:a14="http://schemas.microsoft.com/office/drawing/2010/main">
+                <a:effectLst>
+                  <a:outerShdw dist="35921" dir="2700000" algn="ctr" rotWithShape="0">
+                    <a:schemeClr val="bg2"/>
+                  </a:outerShdw>
+                </a:effectLst>
+              </a14:hiddenEffects>
+            </a:ext>
+          </a:extLst>
+        </p:spPr>
+      </p:pic>
+      <mc:AlternateContent xmlns:mc="http://schemas.openxmlformats.org/markup-compatibility/2006" xmlns:a14="http://schemas.microsoft.com/office/drawing/2010/main">
+        <mc:Choice Requires="a14">
+          <p:sp>
+            <p:nvSpPr>
+              <p:cNvPr id="7" name="TextBox 6"/>
+              <p:cNvSpPr txBox="1"/>
+              <p:nvPr/>
+            </p:nvSpPr>
+            <p:spPr>
+              <a:xfrm>
+                <a:off x="4860032" y="4165629"/>
+                <a:ext cx="576312" cy="646331"/>
+              </a:xfrm>
+              <a:prstGeom prst="rect">
+                <a:avLst/>
+              </a:prstGeom>
+              <a:noFill/>
+            </p:spPr>
+            <p:txBody>
+              <a:bodyPr wrap="none" rtlCol="0">
+                <a:spAutoFit/>
+              </a:bodyPr>
+              <a:lstStyle/>
+              <a:p>
+                <a:pPr/>
+                <a14:m>
+                  <m:oMathPara xmlns:m="http://schemas.openxmlformats.org/officeDocument/2006/math">
+                    <m:oMathParaPr>
+                      <m:jc m:val="centerGroup"/>
+                    </m:oMathParaPr>
+                    <m:oMath xmlns:m="http://schemas.openxmlformats.org/officeDocument/2006/math">
+                      <m:r>
+                        <a:rPr lang="en-US" altLang="ko-KR" sz="3600" b="0" i="1" smtClean="0">
+                          <a:latin typeface="Cambria Math"/>
+                        </a:rPr>
+                        <m:t>𝑟</m:t>
+                      </m:r>
+                    </m:oMath>
+                  </m:oMathPara>
+                </a14:m>
+                <a:endParaRPr lang="ko-KR" altLang="en-US" sz="3600" dirty="0"/>
+              </a:p>
+            </p:txBody>
+          </p:sp>
+        </mc:Choice>
+        <mc:Fallback xmlns="">
+          <p:sp>
+            <p:nvSpPr>
+              <p:cNvPr id="7" name="TextBox 6"/>
+              <p:cNvSpPr txBox="1">
+                <a:spLocks noRot="1" noChangeAspect="1" noMove="1" noResize="1" noEditPoints="1" noAdjustHandles="1" noChangeArrowheads="1" noChangeShapeType="1" noTextEdit="1"/>
+              </p:cNvSpPr>
+              <p:nvPr/>
+            </p:nvSpPr>
+            <p:spPr>
+              <a:xfrm>
+                <a:off x="4860032" y="4165629"/>
+                <a:ext cx="576312" cy="646331"/>
+              </a:xfrm>
+              <a:prstGeom prst="rect">
+                <a:avLst/>
+              </a:prstGeom>
+              <a:blipFill rotWithShape="1">
+                <a:blip r:embed="rId3"/>
+                <a:stretch>
+                  <a:fillRect/>
+                </a:stretch>
+              </a:blipFill>
+            </p:spPr>
+            <p:txBody>
+              <a:bodyPr/>
+              <a:lstStyle/>
+              <a:p>
+                <a:r>
+                  <a:rPr lang="ko-KR" altLang="en-US">
+                    <a:noFill/>
+                  </a:rPr>
+                  <a:t> </a:t>
+                </a:r>
+              </a:p>
+            </p:txBody>
+          </p:sp>
+        </mc:Fallback>
+      </mc:AlternateContent>
+      <mc:AlternateContent xmlns:mc="http://schemas.openxmlformats.org/markup-compatibility/2006" xmlns:a14="http://schemas.microsoft.com/office/drawing/2010/main">
+        <mc:Choice Requires="a14">
+          <p:sp>
+            <p:nvSpPr>
+              <p:cNvPr id="12" name="TextBox 11"/>
+              <p:cNvSpPr txBox="1"/>
+              <p:nvPr/>
+            </p:nvSpPr>
+            <p:spPr>
+              <a:xfrm>
+                <a:off x="3563888" y="4581128"/>
+                <a:ext cx="653769" cy="461665"/>
+              </a:xfrm>
+              <a:prstGeom prst="rect">
+                <a:avLst/>
+              </a:prstGeom>
+              <a:noFill/>
+            </p:spPr>
+            <p:txBody>
+              <a:bodyPr wrap="none" rtlCol="0">
+                <a:spAutoFit/>
+              </a:bodyPr>
+              <a:lstStyle/>
+              <a:p>
+                <a:pPr/>
+                <a14:m>
+                  <m:oMathPara xmlns:m="http://schemas.openxmlformats.org/officeDocument/2006/math">
+                    <m:oMathParaPr>
+                      <m:jc m:val="centerGroup"/>
+                    </m:oMathParaPr>
+                    <m:oMath xmlns:m="http://schemas.openxmlformats.org/officeDocument/2006/math">
+                      <m:r>
+                        <a:rPr lang="en-US" altLang="ko-KR" sz="2400" b="0" i="1" smtClean="0">
+                          <a:latin typeface="Cambria Math"/>
+                        </a:rPr>
+                        <m:t>𝑑</m:t>
+                      </m:r>
+                      <m:r>
+                        <a:rPr lang="en-US" altLang="ko-KR" sz="2400" b="0" i="1" smtClean="0">
+                          <a:latin typeface="Cambria Math"/>
+                        </a:rPr>
+                        <m:t>𝜃</m:t>
+                      </m:r>
+                    </m:oMath>
+                  </m:oMathPara>
+                </a14:m>
+                <a:endParaRPr lang="ko-KR" altLang="en-US" sz="2400" dirty="0"/>
+              </a:p>
+            </p:txBody>
+          </p:sp>
+        </mc:Choice>
+        <mc:Fallback xmlns="">
+          <p:sp>
+            <p:nvSpPr>
+              <p:cNvPr id="12" name="TextBox 11"/>
+              <p:cNvSpPr txBox="1">
+                <a:spLocks noRot="1" noChangeAspect="1" noMove="1" noResize="1" noEditPoints="1" noAdjustHandles="1" noChangeArrowheads="1" noChangeShapeType="1" noTextEdit="1"/>
+              </p:cNvSpPr>
+              <p:nvPr/>
+            </p:nvSpPr>
+            <p:spPr>
+              <a:xfrm>
+                <a:off x="3563888" y="4581128"/>
+                <a:ext cx="653769" cy="461665"/>
+              </a:xfrm>
+              <a:prstGeom prst="rect">
+                <a:avLst/>
+              </a:prstGeom>
+              <a:blipFill rotWithShape="1">
+                <a:blip r:embed="rId4"/>
+                <a:stretch>
+                  <a:fillRect/>
+                </a:stretch>
+              </a:blipFill>
+            </p:spPr>
+            <p:txBody>
+              <a:bodyPr/>
+              <a:lstStyle/>
+              <a:p>
+                <a:r>
+                  <a:rPr lang="ko-KR" altLang="en-US">
+                    <a:noFill/>
+                  </a:rPr>
+                  <a:t> </a:t>
+                </a:r>
+              </a:p>
+            </p:txBody>
+          </p:sp>
+        </mc:Fallback>
+      </mc:AlternateContent>
+      <p:sp>
+        <p:nvSpPr>
+          <p:cNvPr id="8" name="원호 7"/>
+          <p:cNvSpPr/>
+          <p:nvPr/>
+        </p:nvSpPr>
+        <p:spPr>
+          <a:xfrm>
+            <a:off x="3298864" y="4926085"/>
+            <a:ext cx="491194" cy="501067"/>
+          </a:xfrm>
+          <a:prstGeom prst="arc">
+            <a:avLst>
+              <a:gd name="adj1" fmla="val 16491446"/>
+              <a:gd name="adj2" fmla="val 0"/>
+            </a:avLst>
+          </a:prstGeom>
+          <a:ln>
+            <a:solidFill>
+              <a:schemeClr val="tx1"/>
+            </a:solidFill>
+          </a:ln>
+        </p:spPr>
+        <p:style>
+          <a:lnRef idx="1">
+            <a:schemeClr val="accent1"/>
+          </a:lnRef>
+          <a:fillRef idx="0">
+            <a:schemeClr val="accent1"/>
+          </a:fillRef>
+          <a:effectRef idx="0">
+            <a:schemeClr val="accent1"/>
+          </a:effectRef>
+          <a:fontRef idx="minor">
+            <a:schemeClr val="tx1"/>
+          </a:fontRef>
+        </p:style>
+        <p:txBody>
+          <a:bodyPr rtlCol="0" anchor="ctr"/>
+          <a:lstStyle/>
+          <a:p>
+            <a:pPr algn="ctr"/>
+            <a:endParaRPr lang="ko-KR" altLang="en-US"/>
+          </a:p>
+        </p:txBody>
+      </p:sp>
+      <mc:AlternateContent xmlns:mc="http://schemas.openxmlformats.org/markup-compatibility/2006" xmlns:a14="http://schemas.microsoft.com/office/drawing/2010/main">
+        <mc:Choice Requires="a14">
+          <p:sp>
+            <p:nvSpPr>
+              <p:cNvPr id="14" name="TextBox 13"/>
+              <p:cNvSpPr txBox="1"/>
+              <p:nvPr/>
+            </p:nvSpPr>
+            <p:spPr>
+              <a:xfrm rot="2220000">
+                <a:off x="5542121" y="1608829"/>
+                <a:ext cx="1107098" cy="646331"/>
+              </a:xfrm>
+              <a:prstGeom prst="rect">
+                <a:avLst/>
+              </a:prstGeom>
+              <a:noFill/>
+            </p:spPr>
+            <p:txBody>
+              <a:bodyPr wrap="none" rtlCol="0">
+                <a:spAutoFit/>
+              </a:bodyPr>
+              <a:lstStyle/>
+              <a:p>
+                <a:pPr/>
+                <a14:m>
+                  <m:oMathPara xmlns:m="http://schemas.openxmlformats.org/officeDocument/2006/math">
+                    <m:oMathParaPr>
+                      <m:jc m:val="centerGroup"/>
+                    </m:oMathParaPr>
+                    <m:oMath xmlns:m="http://schemas.openxmlformats.org/officeDocument/2006/math">
+                      <m:r>
+                        <a:rPr lang="en-US" altLang="ko-KR" sz="3600" b="0" i="1" smtClean="0">
+                          <a:latin typeface="Cambria Math"/>
+                        </a:rPr>
+                        <m:t>𝑟𝑑</m:t>
+                      </m:r>
+                      <m:r>
+                        <a:rPr lang="en-US" altLang="ko-KR" sz="3600" b="0" i="1" smtClean="0">
+                          <a:latin typeface="Cambria Math"/>
+                        </a:rPr>
+                        <m:t>𝜃</m:t>
+                      </m:r>
+                    </m:oMath>
+                  </m:oMathPara>
+                </a14:m>
+                <a:endParaRPr lang="ko-KR" altLang="en-US" sz="3600" dirty="0"/>
+              </a:p>
+            </p:txBody>
+          </p:sp>
+        </mc:Choice>
+        <mc:Fallback xmlns="">
+          <p:sp>
+            <p:nvSpPr>
+              <p:cNvPr id="14" name="TextBox 13"/>
+              <p:cNvSpPr txBox="1">
+                <a:spLocks noRot="1" noChangeAspect="1" noMove="1" noResize="1" noEditPoints="1" noAdjustHandles="1" noChangeArrowheads="1" noChangeShapeType="1" noTextEdit="1"/>
+              </p:cNvSpPr>
+              <p:nvPr/>
+            </p:nvSpPr>
+            <p:spPr>
+              <a:xfrm rot="2220000">
+                <a:off x="5542121" y="1608829"/>
+                <a:ext cx="1107098" cy="646331"/>
+              </a:xfrm>
+              <a:prstGeom prst="rect">
+                <a:avLst/>
+              </a:prstGeom>
+              <a:blipFill rotWithShape="1">
+                <a:blip r:embed="rId5"/>
+                <a:stretch>
+                  <a:fillRect/>
+                </a:stretch>
+              </a:blipFill>
+            </p:spPr>
+            <p:txBody>
+              <a:bodyPr/>
+              <a:lstStyle/>
+              <a:p>
+                <a:r>
+                  <a:rPr lang="ko-KR" altLang="en-US">
+                    <a:noFill/>
+                  </a:rPr>
+                  <a:t> </a:t>
+                </a:r>
+              </a:p>
+            </p:txBody>
+          </p:sp>
+        </mc:Fallback>
+      </mc:AlternateContent>
+      <mc:AlternateContent xmlns:mc="http://schemas.openxmlformats.org/markup-compatibility/2006" xmlns:a14="http://schemas.microsoft.com/office/drawing/2010/main">
+        <mc:Choice Requires="a14">
+          <p:sp>
+            <p:nvSpPr>
+              <p:cNvPr id="15" name="TextBox 14"/>
+              <p:cNvSpPr txBox="1"/>
+              <p:nvPr/>
+            </p:nvSpPr>
+            <p:spPr>
+              <a:xfrm>
+                <a:off x="6876256" y="1774557"/>
+                <a:ext cx="844014" cy="646331"/>
+              </a:xfrm>
+              <a:prstGeom prst="rect">
+                <a:avLst/>
+              </a:prstGeom>
+              <a:noFill/>
+            </p:spPr>
+            <p:txBody>
+              <a:bodyPr wrap="none" rtlCol="0">
+                <a:spAutoFit/>
+              </a:bodyPr>
+              <a:lstStyle/>
+              <a:p>
+                <a:pPr/>
+                <a14:m>
+                  <m:oMathPara xmlns:m="http://schemas.openxmlformats.org/officeDocument/2006/math">
+                    <m:oMathParaPr>
+                      <m:jc m:val="centerGroup"/>
+                    </m:oMathParaPr>
+                    <m:oMath xmlns:m="http://schemas.openxmlformats.org/officeDocument/2006/math">
+                      <m:r>
+                        <a:rPr lang="en-US" altLang="ko-KR" sz="3600" b="0" i="1" smtClean="0">
+                          <a:latin typeface="Cambria Math"/>
+                        </a:rPr>
+                        <m:t>𝑑𝑟</m:t>
+                      </m:r>
+                    </m:oMath>
+                  </m:oMathPara>
+                </a14:m>
+                <a:endParaRPr lang="ko-KR" altLang="en-US" sz="3600" dirty="0"/>
+              </a:p>
+            </p:txBody>
+          </p:sp>
+        </mc:Choice>
+        <mc:Fallback xmlns="">
+          <p:sp>
+            <p:nvSpPr>
+              <p:cNvPr id="15" name="TextBox 14"/>
+              <p:cNvSpPr txBox="1">
+                <a:spLocks noRot="1" noChangeAspect="1" noMove="1" noResize="1" noEditPoints="1" noAdjustHandles="1" noChangeArrowheads="1" noChangeShapeType="1" noTextEdit="1"/>
+              </p:cNvSpPr>
+              <p:nvPr/>
+            </p:nvSpPr>
+            <p:spPr>
+              <a:xfrm>
+                <a:off x="6876256" y="1774557"/>
+                <a:ext cx="844014" cy="646331"/>
+              </a:xfrm>
+              <a:prstGeom prst="rect">
+                <a:avLst/>
+              </a:prstGeom>
+              <a:blipFill rotWithShape="1">
+                <a:blip r:embed="rId6"/>
+                <a:stretch>
+                  <a:fillRect/>
+                </a:stretch>
+              </a:blipFill>
+            </p:spPr>
+            <p:txBody>
+              <a:bodyPr/>
+              <a:lstStyle/>
+              <a:p>
+                <a:r>
+                  <a:rPr lang="ko-KR" altLang="en-US">
+                    <a:noFill/>
+                  </a:rPr>
+                  <a:t> </a:t>
+                </a:r>
+              </a:p>
+            </p:txBody>
+          </p:sp>
+        </mc:Fallback>
+      </mc:AlternateContent>
+      <p:sp>
+        <p:nvSpPr>
+          <p:cNvPr id="2" name="TextBox 1"/>
+          <p:cNvSpPr txBox="1"/>
+          <p:nvPr/>
+        </p:nvSpPr>
+        <p:spPr>
+          <a:xfrm>
+            <a:off x="7471130" y="764704"/>
+            <a:ext cx="1436291" cy="646331"/>
+          </a:xfrm>
+          <a:prstGeom prst="rect">
+            <a:avLst/>
+          </a:prstGeom>
+          <a:noFill/>
+        </p:spPr>
+        <p:txBody>
+          <a:bodyPr wrap="none" rtlCol="0">
+            <a:spAutoFit/>
+          </a:bodyPr>
+          <a:lstStyle/>
+          <a:p>
+            <a:pPr algn="ctr"/>
+            <a:r>
+              <a:rPr lang="en-US" altLang="ko-KR" dirty="0"/>
+              <a:t>Infinitesimal</a:t>
+            </a:r>
+          </a:p>
+          <a:p>
+            <a:pPr algn="ctr"/>
+            <a:r>
+              <a:rPr lang="en-US" altLang="ko-KR" dirty="0"/>
+              <a:t>Area</a:t>
+            </a:r>
+            <a:endParaRPr lang="ko-KR" altLang="en-US" dirty="0"/>
+          </a:p>
+        </p:txBody>
+      </p:sp>
+      <p:cxnSp>
+        <p:nvCxnSpPr>
+          <p:cNvPr id="4" name="직선 화살표 연결선 3"/>
+          <p:cNvCxnSpPr/>
+          <p:nvPr/>
+        </p:nvCxnSpPr>
+        <p:spPr>
+          <a:xfrm flipH="1">
+            <a:off x="6732240" y="1134036"/>
+            <a:ext cx="738890" cy="134724"/>
+          </a:xfrm>
+          <a:prstGeom prst="straightConnector1">
+            <a:avLst/>
+          </a:prstGeom>
+          <a:ln>
+            <a:solidFill>
+              <a:schemeClr val="tx1"/>
+            </a:solidFill>
+            <a:tailEnd type="arrow"/>
+          </a:ln>
+        </p:spPr>
+        <p:style>
+          <a:lnRef idx="1">
+            <a:schemeClr val="accent1"/>
+          </a:lnRef>
+          <a:fillRef idx="0">
+            <a:schemeClr val="accent1"/>
+          </a:fillRef>
+          <a:effectRef idx="0">
+            <a:schemeClr val="accent1"/>
+          </a:effectRef>
+          <a:fontRef idx="minor">
+            <a:schemeClr val="tx1"/>
+          </a:fontRef>
+        </p:style>
+      </p:cxnSp>
+    </p:spTree>
+    <p:extLst>
+      <p:ext uri="{BB962C8B-B14F-4D97-AF65-F5344CB8AC3E}">
+        <p14:creationId xmlns:p14="http://schemas.microsoft.com/office/powerpoint/2010/main" val="3816423840"/>
       </p:ext>
     </p:extLst>
   </p:cSld>
